--- a/Power Point Slides.pptx
+++ b/Power Point Slides.pptx
@@ -8,8 +8,11 @@
     <p:sldId id="256" r:id="rId2"/>
     <p:sldId id="257" r:id="rId3"/>
     <p:sldId id="258" r:id="rId4"/>
-    <p:sldId id="259" r:id="rId5"/>
-    <p:sldId id="260" r:id="rId6"/>
+    <p:sldId id="262" r:id="rId5"/>
+    <p:sldId id="261" r:id="rId6"/>
+    <p:sldId id="259" r:id="rId7"/>
+    <p:sldId id="263" r:id="rId8"/>
+    <p:sldId id="260" r:id="rId9"/>
   </p:sldIdLst>
   <p:sldSz cx="9144000" cy="6858000" type="screen4x3"/>
   <p:notesSz cx="6858000" cy="9144000"/>
@@ -3679,8 +3682,14 @@
           <a:lstStyle/>
           <a:p>
             <a:r>
-              <a:t>Integrating Sentiment with Quantitative Finance</a:t>
-            </a:r>
+              <a:rPr lang="en-US" dirty="0"/>
+              <a:t>Faisal </a:t>
+            </a:r>
+            <a:r>
+              <a:rPr lang="en-US" dirty="0" err="1"/>
+              <a:t>umar</a:t>
+            </a:r>
+            <a:endParaRPr dirty="0"/>
           </a:p>
         </p:txBody>
       </p:sp>
@@ -3746,18 +3755,28 @@
           <a:lstStyle/>
           <a:p>
             <a:r>
-              <a:t>• Traditional optimizers ignore sentiment</a:t>
-            </a:r>
-          </a:p>
-          <a:p>
-            <a:r>
-              <a:t>• Market psychology strongly influences short-term prices</a:t>
-            </a:r>
-          </a:p>
-          <a:p>
-            <a:r>
-              <a:t>• Need integration of qualitative + quantitative signals</a:t>
-            </a:r>
+              <a:rPr dirty="0"/>
+              <a:t>Traditional optimizers ignore sentiment</a:t>
+            </a:r>
+          </a:p>
+          <a:p>
+            <a:r>
+              <a:rPr dirty="0"/>
+              <a:t>Market psychology strongly influences short-term prices</a:t>
+            </a:r>
+          </a:p>
+          <a:p>
+            <a:r>
+              <a:rPr lang="en-US" dirty="0"/>
+              <a:t>Mean-variance optimization ignores sentiment</a:t>
+            </a:r>
+          </a:p>
+          <a:p>
+            <a:r>
+              <a:rPr lang="en-US" dirty="0"/>
+              <a:t>News strongly impacts stock movements</a:t>
+            </a:r>
+            <a:endParaRPr dirty="0"/>
           </a:p>
         </p:txBody>
       </p:sp>
@@ -3802,8 +3821,10 @@
           <a:lstStyle/>
           <a:p>
             <a:r>
-              <a:t>Method</a:t>
-            </a:r>
+              <a:rPr lang="en-US" dirty="0"/>
+              <a:t>DATA</a:t>
+            </a:r>
+            <a:endParaRPr dirty="0"/>
           </a:p>
         </p:txBody>
       </p:sp>
@@ -3823,18 +3844,22 @@
           <a:lstStyle/>
           <a:p>
             <a:r>
-              <a:t>• Historical returns, volatility, covariance</a:t>
-            </a:r>
-          </a:p>
-          <a:p>
-            <a:r>
-              <a:t>• Sentiment scoring from financial headlines</a:t>
-            </a:r>
-          </a:p>
-          <a:p>
-            <a:r>
-              <a:t>• Integration into mean–variance optimization</a:t>
-            </a:r>
+              <a:rPr lang="en-US" dirty="0"/>
+              <a:t>Prices: 3 years of daily OHLCV from Yahoo Finance</a:t>
+            </a:r>
+          </a:p>
+          <a:p>
+            <a:r>
+              <a:rPr lang="en-US" dirty="0"/>
+              <a:t>News data: scraped / sample financial headlines related to AAPL, MSFT, GOOGL, AMZN</a:t>
+            </a:r>
+          </a:p>
+          <a:p>
+            <a:r>
+              <a:rPr lang="en-US" dirty="0"/>
+              <a:t>Sentiment: VADER sentiment analysis</a:t>
+            </a:r>
+            <a:endParaRPr dirty="0"/>
           </a:p>
         </p:txBody>
       </p:sp>
@@ -3865,7 +3890,13 @@
       </p:grpSpPr>
       <p:sp>
         <p:nvSpPr>
-          <p:cNvPr id="2" name="Title 1"/>
+          <p:cNvPr id="2" name="Title 1">
+            <a:extLst>
+              <a:ext uri="{FF2B5EF4-FFF2-40B4-BE49-F238E27FC236}">
+                <a16:creationId xmlns:a16="http://schemas.microsoft.com/office/drawing/2014/main" id="{3F0FF19F-887A-07D8-1FE2-D2C1925A461B}"/>
+              </a:ext>
+            </a:extLst>
+          </p:cNvPr>
           <p:cNvSpPr>
             <a:spLocks noGrp="1"/>
           </p:cNvSpPr>
@@ -3878,15 +3909,19 @@
           <a:bodyPr/>
           <a:lstStyle/>
           <a:p>
-            <a:r>
-              <a:t>Results</a:t>
-            </a:r>
-          </a:p>
-        </p:txBody>
-      </p:sp>
-      <p:sp>
-        <p:nvSpPr>
-          <p:cNvPr id="3" name="Content Placeholder 2"/>
+            <a:endParaRPr lang="en-GB"/>
+          </a:p>
+        </p:txBody>
+      </p:sp>
+      <p:sp>
+        <p:nvSpPr>
+          <p:cNvPr id="3" name="Content Placeholder 2">
+            <a:extLst>
+              <a:ext uri="{FF2B5EF4-FFF2-40B4-BE49-F238E27FC236}">
+                <a16:creationId xmlns:a16="http://schemas.microsoft.com/office/drawing/2014/main" id="{233C57FC-CFA8-77E2-9926-C108D5626D08}"/>
+              </a:ext>
+            </a:extLst>
+          </p:cNvPr>
           <p:cNvSpPr>
             <a:spLocks noGrp="1"/>
           </p:cNvSpPr>
@@ -3899,23 +3934,46 @@
           <a:bodyPr/>
           <a:lstStyle/>
           <a:p>
-            <a:r>
-              <a:t>• Improved Sharpe ratios</a:t>
-            </a:r>
-          </a:p>
-          <a:p>
-            <a:r>
-              <a:t>• Reduced drawdowns during negative sentiment</a:t>
-            </a:r>
-          </a:p>
-          <a:p>
-            <a:r>
-              <a:t>• More stable allocations</a:t>
-            </a:r>
-          </a:p>
-        </p:txBody>
-      </p:sp>
+            <a:endParaRPr lang="en-GB"/>
+          </a:p>
+        </p:txBody>
+      </p:sp>
+      <p:pic>
+        <p:nvPicPr>
+          <p:cNvPr id="5" name="Picture 4">
+            <a:extLst>
+              <a:ext uri="{FF2B5EF4-FFF2-40B4-BE49-F238E27FC236}">
+                <a16:creationId xmlns:a16="http://schemas.microsoft.com/office/drawing/2014/main" id="{955A48D5-27A7-4E47-8E9C-B3BBB037D8EE}"/>
+              </a:ext>
+            </a:extLst>
+          </p:cNvPr>
+          <p:cNvPicPr>
+            <a:picLocks noChangeAspect="1"/>
+          </p:cNvPicPr>
+          <p:nvPr/>
+        </p:nvPicPr>
+        <p:blipFill>
+          <a:blip r:embed="rId2"/>
+          <a:stretch>
+            <a:fillRect/>
+          </a:stretch>
+        </p:blipFill>
+        <p:spPr>
+          <a:xfrm>
+            <a:off x="0" y="0"/>
+            <a:ext cx="9144000" cy="6858000"/>
+          </a:xfrm>
+          <a:prstGeom prst="rect">
+            <a:avLst/>
+          </a:prstGeom>
+        </p:spPr>
+      </p:pic>
     </p:spTree>
+    <p:extLst>
+      <p:ext uri="{BB962C8B-B14F-4D97-AF65-F5344CB8AC3E}">
+        <p14:creationId xmlns:p14="http://schemas.microsoft.com/office/powerpoint/2010/main" val="616927291"/>
+      </p:ext>
+    </p:extLst>
   </p:cSld>
   <p:clrMapOvr>
     <a:masterClrMapping/>
@@ -3924,6 +3982,124 @@
 </file>
 
 <file path=ppt/slides/slide5.xml><?xml version="1.0" encoding="utf-8"?>
+<p:sld xmlns:a="http://schemas.openxmlformats.org/drawingml/2006/main" xmlns:r="http://schemas.openxmlformats.org/officeDocument/2006/relationships" xmlns:p="http://schemas.openxmlformats.org/presentationml/2006/main">
+  <p:cSld>
+    <p:spTree>
+      <p:nvGrpSpPr>
+        <p:cNvPr id="1" name="">
+          <a:extLst>
+            <a:ext uri="{FF2B5EF4-FFF2-40B4-BE49-F238E27FC236}">
+              <a16:creationId xmlns:a16="http://schemas.microsoft.com/office/drawing/2014/main" id="{440EF3D9-D86A-FEFA-CECC-44C658D31FAF}"/>
+            </a:ext>
+          </a:extLst>
+        </p:cNvPr>
+        <p:cNvGrpSpPr/>
+        <p:nvPr/>
+      </p:nvGrpSpPr>
+      <p:grpSpPr>
+        <a:xfrm>
+          <a:off x="0" y="0"/>
+          <a:ext cx="0" cy="0"/>
+          <a:chOff x="0" y="0"/>
+          <a:chExt cx="0" cy="0"/>
+        </a:xfrm>
+      </p:grpSpPr>
+      <p:sp>
+        <p:nvSpPr>
+          <p:cNvPr id="2" name="Title 1">
+            <a:extLst>
+              <a:ext uri="{FF2B5EF4-FFF2-40B4-BE49-F238E27FC236}">
+                <a16:creationId xmlns:a16="http://schemas.microsoft.com/office/drawing/2014/main" id="{A7872622-950C-F968-5A60-3D00029812A5}"/>
+              </a:ext>
+            </a:extLst>
+          </p:cNvPr>
+          <p:cNvSpPr>
+            <a:spLocks noGrp="1"/>
+          </p:cNvSpPr>
+          <p:nvPr>
+            <p:ph type="title"/>
+          </p:nvPr>
+        </p:nvSpPr>
+        <p:spPr/>
+        <p:txBody>
+          <a:bodyPr/>
+          <a:lstStyle/>
+          <a:p>
+            <a:r>
+              <a:t>Method</a:t>
+            </a:r>
+          </a:p>
+        </p:txBody>
+      </p:sp>
+      <p:sp>
+        <p:nvSpPr>
+          <p:cNvPr id="3" name="Content Placeholder 2">
+            <a:extLst>
+              <a:ext uri="{FF2B5EF4-FFF2-40B4-BE49-F238E27FC236}">
+                <a16:creationId xmlns:a16="http://schemas.microsoft.com/office/drawing/2014/main" id="{A28C8EE1-7AFC-9B61-607B-C1F7DF4B660C}"/>
+              </a:ext>
+            </a:extLst>
+          </p:cNvPr>
+          <p:cNvSpPr>
+            <a:spLocks noGrp="1"/>
+          </p:cNvSpPr>
+          <p:nvPr>
+            <p:ph idx="1"/>
+          </p:nvPr>
+        </p:nvSpPr>
+        <p:spPr/>
+        <p:txBody>
+          <a:bodyPr/>
+          <a:lstStyle/>
+          <a:p>
+            <a:r>
+              <a:rPr lang="en-GB" dirty="0" err="1"/>
+              <a:t>yfinance</a:t>
+            </a:r>
+            <a:r>
+              <a:rPr lang="en-GB" dirty="0"/>
+              <a:t> (Adjusted Close → returns)</a:t>
+            </a:r>
+          </a:p>
+          <a:p>
+            <a:r>
+              <a:rPr lang="en-GB" dirty="0" err="1"/>
+              <a:t>PyPortfolioOpt</a:t>
+            </a:r>
+            <a:r>
+              <a:rPr lang="en-GB" dirty="0"/>
+              <a:t> (mean-variance optimization)</a:t>
+            </a:r>
+          </a:p>
+          <a:p>
+            <a:r>
+              <a:rPr lang="en-GB" dirty="0"/>
+              <a:t>VADER sentiment from sample headlines (CSV)</a:t>
+            </a:r>
+          </a:p>
+          <a:p>
+            <a:r>
+              <a:rPr lang="en-GB" dirty="0"/>
+              <a:t>Weight adjustment logic (prototype, not fully tested)</a:t>
+            </a:r>
+            <a:endParaRPr dirty="0"/>
+          </a:p>
+        </p:txBody>
+      </p:sp>
+    </p:spTree>
+    <p:extLst>
+      <p:ext uri="{BB962C8B-B14F-4D97-AF65-F5344CB8AC3E}">
+        <p14:creationId xmlns:p14="http://schemas.microsoft.com/office/powerpoint/2010/main" val="1311280583"/>
+      </p:ext>
+    </p:extLst>
+  </p:cSld>
+  <p:clrMapOvr>
+    <a:masterClrMapping/>
+  </p:clrMapOvr>
+</p:sld>
+</file>
+
+<file path=ppt/slides/slide6.xml><?xml version="1.0" encoding="utf-8"?>
 <p:sld xmlns:a="http://schemas.openxmlformats.org/drawingml/2006/main" xmlns:r="http://schemas.openxmlformats.org/officeDocument/2006/relationships" xmlns:p="http://schemas.openxmlformats.org/presentationml/2006/main">
   <p:cSld>
     <p:spTree>
@@ -3956,6 +4132,197 @@
           <a:lstStyle/>
           <a:p>
             <a:r>
+              <a:t>Results</a:t>
+            </a:r>
+          </a:p>
+        </p:txBody>
+      </p:sp>
+      <p:sp>
+        <p:nvSpPr>
+          <p:cNvPr id="3" name="Content Placeholder 2"/>
+          <p:cNvSpPr>
+            <a:spLocks noGrp="1"/>
+          </p:cNvSpPr>
+          <p:nvPr>
+            <p:ph idx="1"/>
+          </p:nvPr>
+        </p:nvSpPr>
+        <p:spPr/>
+        <p:txBody>
+          <a:bodyPr/>
+          <a:lstStyle/>
+          <a:p>
+            <a:r>
+              <a:rPr lang="en-GB" dirty="0"/>
+              <a:t>Annualized returns: AAPL 13.95%, MSFT 23.57%, GOOGL 23.08%, AMZN 22.17.</a:t>
+            </a:r>
+          </a:p>
+          <a:p>
+            <a:r>
+              <a:rPr lang="en-GB" dirty="0"/>
+              <a:t>Baseline max-Sharpe: 23.42% expected return, 25.10% volatility, Sharpe 0.85.</a:t>
+            </a:r>
+          </a:p>
+          <a:p>
+            <a:r>
+              <a:rPr lang="en-GB" dirty="0"/>
+              <a:t>Sentiment-adjusted portfolios were prototyped but not fully back tested. Preliminary evidence suggests that incorporating sentiment can reduce drawdowns in negative news cycles.</a:t>
+            </a:r>
+            <a:endParaRPr dirty="0"/>
+          </a:p>
+        </p:txBody>
+      </p:sp>
+    </p:spTree>
+  </p:cSld>
+  <p:clrMapOvr>
+    <a:masterClrMapping/>
+  </p:clrMapOvr>
+</p:sld>
+</file>
+
+<file path=ppt/slides/slide7.xml><?xml version="1.0" encoding="utf-8"?>
+<p:sld xmlns:a="http://schemas.openxmlformats.org/drawingml/2006/main" xmlns:r="http://schemas.openxmlformats.org/officeDocument/2006/relationships" xmlns:p="http://schemas.openxmlformats.org/presentationml/2006/main">
+  <p:cSld>
+    <p:spTree>
+      <p:nvGrpSpPr>
+        <p:cNvPr id="1" name=""/>
+        <p:cNvGrpSpPr/>
+        <p:nvPr/>
+      </p:nvGrpSpPr>
+      <p:grpSpPr>
+        <a:xfrm>
+          <a:off x="0" y="0"/>
+          <a:ext cx="0" cy="0"/>
+          <a:chOff x="0" y="0"/>
+          <a:chExt cx="0" cy="0"/>
+        </a:xfrm>
+      </p:grpSpPr>
+      <p:sp>
+        <p:nvSpPr>
+          <p:cNvPr id="2" name="Title 1">
+            <a:extLst>
+              <a:ext uri="{FF2B5EF4-FFF2-40B4-BE49-F238E27FC236}">
+                <a16:creationId xmlns:a16="http://schemas.microsoft.com/office/drawing/2014/main" id="{4B1BA004-3843-C2FB-5ECE-308C7C6A69EB}"/>
+              </a:ext>
+            </a:extLst>
+          </p:cNvPr>
+          <p:cNvSpPr>
+            <a:spLocks noGrp="1"/>
+          </p:cNvSpPr>
+          <p:nvPr>
+            <p:ph type="title"/>
+          </p:nvPr>
+        </p:nvSpPr>
+        <p:spPr/>
+        <p:txBody>
+          <a:bodyPr/>
+          <a:lstStyle/>
+          <a:p>
+            <a:endParaRPr lang="en-GB"/>
+          </a:p>
+        </p:txBody>
+      </p:sp>
+      <p:sp>
+        <p:nvSpPr>
+          <p:cNvPr id="3" name="Content Placeholder 2">
+            <a:extLst>
+              <a:ext uri="{FF2B5EF4-FFF2-40B4-BE49-F238E27FC236}">
+                <a16:creationId xmlns:a16="http://schemas.microsoft.com/office/drawing/2014/main" id="{EA34D027-A2D2-D77B-8BBB-590B00706769}"/>
+              </a:ext>
+            </a:extLst>
+          </p:cNvPr>
+          <p:cNvSpPr>
+            <a:spLocks noGrp="1"/>
+          </p:cNvSpPr>
+          <p:nvPr>
+            <p:ph idx="1"/>
+          </p:nvPr>
+        </p:nvSpPr>
+        <p:spPr/>
+        <p:txBody>
+          <a:bodyPr/>
+          <a:lstStyle/>
+          <a:p>
+            <a:endParaRPr lang="en-GB"/>
+          </a:p>
+        </p:txBody>
+      </p:sp>
+      <p:pic>
+        <p:nvPicPr>
+          <p:cNvPr id="5" name="Picture 4">
+            <a:extLst>
+              <a:ext uri="{FF2B5EF4-FFF2-40B4-BE49-F238E27FC236}">
+                <a16:creationId xmlns:a16="http://schemas.microsoft.com/office/drawing/2014/main" id="{CE94D4E4-1575-C393-27E1-DE0DAEF00950}"/>
+              </a:ext>
+            </a:extLst>
+          </p:cNvPr>
+          <p:cNvPicPr>
+            <a:picLocks noChangeAspect="1"/>
+          </p:cNvPicPr>
+          <p:nvPr/>
+        </p:nvPicPr>
+        <p:blipFill>
+          <a:blip r:embed="rId2"/>
+          <a:stretch>
+            <a:fillRect/>
+          </a:stretch>
+        </p:blipFill>
+        <p:spPr>
+          <a:xfrm>
+            <a:off x="0" y="0"/>
+            <a:ext cx="9144000" cy="6858000"/>
+          </a:xfrm>
+          <a:prstGeom prst="rect">
+            <a:avLst/>
+          </a:prstGeom>
+        </p:spPr>
+      </p:pic>
+    </p:spTree>
+    <p:extLst>
+      <p:ext uri="{BB962C8B-B14F-4D97-AF65-F5344CB8AC3E}">
+        <p14:creationId xmlns:p14="http://schemas.microsoft.com/office/powerpoint/2010/main" val="222376413"/>
+      </p:ext>
+    </p:extLst>
+  </p:cSld>
+  <p:clrMapOvr>
+    <a:masterClrMapping/>
+  </p:clrMapOvr>
+</p:sld>
+</file>
+
+<file path=ppt/slides/slide8.xml><?xml version="1.0" encoding="utf-8"?>
+<p:sld xmlns:a="http://schemas.openxmlformats.org/drawingml/2006/main" xmlns:r="http://schemas.openxmlformats.org/officeDocument/2006/relationships" xmlns:p="http://schemas.openxmlformats.org/presentationml/2006/main">
+  <p:cSld>
+    <p:spTree>
+      <p:nvGrpSpPr>
+        <p:cNvPr id="1" name=""/>
+        <p:cNvGrpSpPr/>
+        <p:nvPr/>
+      </p:nvGrpSpPr>
+      <p:grpSpPr>
+        <a:xfrm>
+          <a:off x="0" y="0"/>
+          <a:ext cx="0" cy="0"/>
+          <a:chOff x="0" y="0"/>
+          <a:chExt cx="0" cy="0"/>
+        </a:xfrm>
+      </p:grpSpPr>
+      <p:sp>
+        <p:nvSpPr>
+          <p:cNvPr id="2" name="Title 1"/>
+          <p:cNvSpPr>
+            <a:spLocks noGrp="1"/>
+          </p:cNvSpPr>
+          <p:nvPr>
+            <p:ph type="title"/>
+          </p:nvPr>
+        </p:nvSpPr>
+        <p:spPr/>
+        <p:txBody>
+          <a:bodyPr/>
+          <a:lstStyle/>
+          <a:p>
+            <a:r>
               <a:t>Future Work</a:t>
             </a:r>
           </a:p>
@@ -3977,18 +4344,37 @@
           <a:lstStyle/>
           <a:p>
             <a:r>
-              <a:t>• Explore FinBERT &amp; GPT-based sentiment models</a:t>
-            </a:r>
-          </a:p>
-          <a:p>
-            <a:r>
-              <a:t>• Expand to social media &amp; analyst reports</a:t>
-            </a:r>
-          </a:p>
-          <a:p>
-            <a:r>
-              <a:t>• Deploy real-time optimization dashboards</a:t>
-            </a:r>
+              <a:rPr lang="en-US" dirty="0"/>
+              <a:t>Robust </a:t>
+            </a:r>
+            <a:r>
+              <a:rPr lang="en-US" dirty="0" err="1"/>
+              <a:t>backtesting</a:t>
+            </a:r>
+            <a:endParaRPr lang="en-US" dirty="0"/>
+          </a:p>
+          <a:p>
+            <a:r>
+              <a:rPr lang="en-US" dirty="0" err="1"/>
+              <a:t>FinBERT</a:t>
+            </a:r>
+            <a:r>
+              <a:rPr lang="en-US" dirty="0"/>
+              <a:t> sentiment models</a:t>
+            </a:r>
+          </a:p>
+          <a:p>
+            <a:r>
+              <a:rPr lang="en-US" dirty="0"/>
+              <a:t>Include costs and rebalancing</a:t>
+            </a:r>
+          </a:p>
+          <a:p>
+            <a:r>
+              <a:rPr lang="en-US" dirty="0"/>
+              <a:t>Multi-asset expansion</a:t>
+            </a:r>
+            <a:endParaRPr dirty="0"/>
           </a:p>
         </p:txBody>
       </p:sp>
